--- a/extra/AZ-103APrequel.pptx
+++ b/extra/AZ-103APrequel.pptx
@@ -16,8 +16,8 @@
     <p:sldId id="1888" r:id="rId4"/>
     <p:sldId id="1889" r:id="rId5"/>
     <p:sldId id="1896" r:id="rId6"/>
-    <p:sldId id="1893" r:id="rId7"/>
-    <p:sldId id="1863" r:id="rId8"/>
+    <p:sldId id="1863" r:id="rId7"/>
+    <p:sldId id="1893" r:id="rId8"/>
   </p:sldIdLst>
   <p:sldSz cx="12192000" cy="6858000"/>
   <p:notesSz cx="6858000" cy="9144000"/>
@@ -126,8 +126,8 @@
             <p14:sldId id="1888"/>
             <p14:sldId id="1889"/>
             <p14:sldId id="1896"/>
+            <p14:sldId id="1863"/>
             <p14:sldId id="1893"/>
-            <p14:sldId id="1863"/>
           </p14:sldIdLst>
         </p14:section>
       </p14:sectionLst>
@@ -8309,7 +8309,7 @@
               <a:rPr lang="en-US" smtClean="0">
                 <a:latin typeface="Segoe UI" pitchFamily="34" charset="0"/>
               </a:rPr>
-              <a:t>7/26/2019 3:03 PM</a:t>
+              <a:t>8/2/2019 2:51 PM</a:t>
             </a:fld>
             <a:endParaRPr lang="en-US" dirty="0">
               <a:latin typeface="Segoe UI" pitchFamily="34" charset="0"/>
@@ -8587,7 +8587,7 @@
           <a:p>
             <a:fld id="{386CE63F-9E7F-4C04-9D0D-FCA25A8E9E86}" type="datetime8">
               <a:rPr lang="en-US" smtClean="0"/>
-              <a:t>7/26/2019 3:03 PM</a:t>
+              <a:t>8/2/2019 2:50 PM</a:t>
             </a:fld>
             <a:endParaRPr lang="en-US" dirty="0"/>
           </a:p>
@@ -8876,7 +8876,10 @@
           <a:bodyPr/>
           <a:lstStyle/>
           <a:p>
-            <a:endParaRPr lang="en-US" dirty="0"/>
+            <a:r>
+              <a:rPr lang="fr-FR" noProof="0" dirty="0"/>
+              <a:t>Ce jeu de diapositives a pour but de faciliter la tâche de l’instructeur dans la présentation initiale de l’introduction aux sujets du cloud. Il n’est pas à utiliser tel quel mais les diapositives qu’il contient peuvent s’avérer pratiques…</a:t>
+            </a:r>
           </a:p>
         </p:txBody>
       </p:sp>
@@ -8954,7 +8957,7 @@
           <a:p>
             <a:fld id="{3619146B-24F9-441E-A368-DB3B5A84C1D4}" type="datetime8">
               <a:rPr lang="en-US" smtClean="0"/>
-              <a:t>7/26/2019 3:03 PM</a:t>
+              <a:t>8/2/2019 2:50 PM</a:t>
             </a:fld>
             <a:endParaRPr lang="en-US" dirty="0"/>
           </a:p>
@@ -9190,7 +9193,7 @@
           <a:p>
             <a:fld id="{386CE63F-9E7F-4C04-9D0D-FCA25A8E9E86}" type="datetime8">
               <a:rPr lang="en-US" smtClean="0"/>
-              <a:t>7/26/2019 3:03 PM</a:t>
+              <a:t>8/2/2019 2:50 PM</a:t>
             </a:fld>
             <a:endParaRPr lang="en-US" dirty="0"/>
           </a:p>
@@ -9413,7 +9416,7 @@
           <a:p>
             <a:fld id="{386CE63F-9E7F-4C04-9D0D-FCA25A8E9E86}" type="datetime8">
               <a:rPr lang="en-US" smtClean="0"/>
-              <a:t>7/26/2019 3:03 PM</a:t>
+              <a:t>8/2/2019 2:50 PM</a:t>
             </a:fld>
             <a:endParaRPr lang="en-US" dirty="0"/>
           </a:p>
@@ -9637,7 +9640,7 @@
           <a:p>
             <a:fld id="{386CE63F-9E7F-4C04-9D0D-FCA25A8E9E86}" type="datetime8">
               <a:rPr lang="en-US" smtClean="0"/>
-              <a:t>7/26/2019 3:03 PM</a:t>
+              <a:t>8/2/2019 2:50 PM</a:t>
             </a:fld>
             <a:endParaRPr lang="en-US" dirty="0"/>
           </a:p>
@@ -9681,6 +9684,182 @@
 </file>
 
 <file path=ppt/notesSlides/notesSlide5.xml><?xml version="1.0" encoding="utf-8"?>
+<p:notes xmlns:a="http://schemas.openxmlformats.org/drawingml/2006/main" xmlns:r="http://schemas.openxmlformats.org/officeDocument/2006/relationships" xmlns:p="http://schemas.openxmlformats.org/presentationml/2006/main">
+  <p:cSld>
+    <p:spTree>
+      <p:nvGrpSpPr>
+        <p:cNvPr id="1" name=""/>
+        <p:cNvGrpSpPr/>
+        <p:nvPr/>
+      </p:nvGrpSpPr>
+      <p:grpSpPr>
+        <a:xfrm>
+          <a:off x="0" y="0"/>
+          <a:ext cx="0" cy="0"/>
+          <a:chOff x="0" y="0"/>
+          <a:chExt cx="0" cy="0"/>
+        </a:xfrm>
+      </p:grpSpPr>
+      <p:sp>
+        <p:nvSpPr>
+          <p:cNvPr id="2" name="Slide Image Placeholder 1"/>
+          <p:cNvSpPr>
+            <a:spLocks noGrp="1" noRot="1" noChangeAspect="1"/>
+          </p:cNvSpPr>
+          <p:nvPr>
+            <p:ph type="sldImg"/>
+          </p:nvPr>
+        </p:nvSpPr>
+        <p:spPr/>
+      </p:sp>
+      <p:sp>
+        <p:nvSpPr>
+          <p:cNvPr id="3" name="Notes Placeholder 2"/>
+          <p:cNvSpPr>
+            <a:spLocks noGrp="1"/>
+          </p:cNvSpPr>
+          <p:nvPr>
+            <p:ph type="body" idx="1"/>
+          </p:nvPr>
+        </p:nvSpPr>
+        <p:spPr/>
+        <p:txBody>
+          <a:bodyPr/>
+          <a:lstStyle/>
+          <a:p>
+            <a:r>
+              <a:rPr lang="fr-FR" noProof="0" dirty="0"/>
+              <a:t>Les notions présentes dans cette diapositive ont pour but d’aider les stagiaires à appréhender la notion de ressource dans Azure. Or elles sont correctement détaillées dans le stage AZ-900 et </a:t>
+            </a:r>
+            <a:r>
+              <a:rPr lang="fr-FR" b="1" u="sng" noProof="0" dirty="0"/>
+              <a:t>à la fin </a:t>
+            </a:r>
+            <a:r>
+              <a:rPr lang="fr-FR" noProof="0" dirty="0"/>
+              <a:t>du stage AZ-103</a:t>
+            </a:r>
+          </a:p>
+        </p:txBody>
+      </p:sp>
+      <p:sp>
+        <p:nvSpPr>
+          <p:cNvPr id="4" name="Header Placeholder 3"/>
+          <p:cNvSpPr>
+            <a:spLocks noGrp="1"/>
+          </p:cNvSpPr>
+          <p:nvPr>
+            <p:ph type="hdr" sz="quarter" idx="10"/>
+          </p:nvPr>
+        </p:nvSpPr>
+        <p:spPr/>
+        <p:txBody>
+          <a:bodyPr/>
+          <a:lstStyle/>
+          <a:p>
+            <a:endParaRPr lang="en-US" dirty="0"/>
+          </a:p>
+        </p:txBody>
+      </p:sp>
+      <p:sp>
+        <p:nvSpPr>
+          <p:cNvPr id="5" name="Footer Placeholder 4"/>
+          <p:cNvSpPr>
+            <a:spLocks noGrp="1"/>
+          </p:cNvSpPr>
+          <p:nvPr>
+            <p:ph type="ftr" sz="quarter" idx="11"/>
+          </p:nvPr>
+        </p:nvSpPr>
+        <p:spPr/>
+        <p:txBody>
+          <a:bodyPr/>
+          <a:lstStyle/>
+          <a:p>
+            <a:pPr defTabSz="914099" eaLnBrk="0" hangingPunct="0"/>
+            <a:r>
+              <a:rPr lang="en-US" sz="400" dirty="0">
+                <a:gradFill>
+                  <a:gsLst>
+                    <a:gs pos="0">
+                      <a:prstClr val="black"/>
+                    </a:gs>
+                    <a:gs pos="100000">
+                      <a:prstClr val="black"/>
+                    </a:gs>
+                  </a:gsLst>
+                  <a:lin ang="5400000" scaled="0"/>
+                </a:gradFill>
+                <a:latin typeface="Segoe UI" pitchFamily="34" charset="0"/>
+                <a:ea typeface="Segoe UI" pitchFamily="34" charset="0"/>
+                <a:cs typeface="Segoe UI" pitchFamily="34" charset="0"/>
+              </a:rPr>
+              <a:t>© Microsoft Corporation. All rights reserved. MICROSOFT MAKES NO WARRANTIES, EXPRESS, IMPLIED OR STATUTORY, AS TO THE INFORMATION IN THIS PRESENTATION.</a:t>
+            </a:r>
+          </a:p>
+        </p:txBody>
+      </p:sp>
+      <p:sp>
+        <p:nvSpPr>
+          <p:cNvPr id="6" name="Date Placeholder 5"/>
+          <p:cNvSpPr>
+            <a:spLocks noGrp="1"/>
+          </p:cNvSpPr>
+          <p:nvPr>
+            <p:ph type="dt" idx="12"/>
+          </p:nvPr>
+        </p:nvSpPr>
+        <p:spPr/>
+        <p:txBody>
+          <a:bodyPr/>
+          <a:lstStyle/>
+          <a:p>
+            <a:fld id="{72E0C910-0166-48E0-B8EF-5071277A02A8}" type="datetime8">
+              <a:rPr lang="en-US" smtClean="0"/>
+              <a:t>8/2/2019 2:59 PM</a:t>
+            </a:fld>
+            <a:endParaRPr lang="en-US" dirty="0"/>
+          </a:p>
+        </p:txBody>
+      </p:sp>
+      <p:sp>
+        <p:nvSpPr>
+          <p:cNvPr id="7" name="Slide Number Placeholder 6"/>
+          <p:cNvSpPr>
+            <a:spLocks noGrp="1"/>
+          </p:cNvSpPr>
+          <p:nvPr>
+            <p:ph type="sldNum" sz="quarter" idx="13"/>
+          </p:nvPr>
+        </p:nvSpPr>
+        <p:spPr/>
+        <p:txBody>
+          <a:bodyPr/>
+          <a:lstStyle/>
+          <a:p>
+            <a:fld id="{B4008EB6-D09E-4580-8CD6-DDB14511944F}" type="slidenum">
+              <a:rPr lang="en-US" smtClean="0"/>
+              <a:pPr/>
+              <a:t>6</a:t>
+            </a:fld>
+            <a:endParaRPr lang="en-US" dirty="0"/>
+          </a:p>
+        </p:txBody>
+      </p:sp>
+    </p:spTree>
+    <p:extLst>
+      <p:ext uri="{BB962C8B-B14F-4D97-AF65-F5344CB8AC3E}">
+        <p14:creationId xmlns:p14="http://schemas.microsoft.com/office/powerpoint/2010/main" val="1601089676"/>
+      </p:ext>
+    </p:extLst>
+  </p:cSld>
+  <p:clrMapOvr>
+    <a:masterClrMapping/>
+  </p:clrMapOvr>
+</p:notes>
+</file>
+
+<file path=ppt/notesSlides/notesSlide6.xml><?xml version="1.0" encoding="utf-8"?>
 <p:notes xmlns:a="http://schemas.openxmlformats.org/drawingml/2006/main" xmlns:r="http://schemas.openxmlformats.org/officeDocument/2006/relationships" xmlns:p="http://schemas.openxmlformats.org/presentationml/2006/main">
   <p:cSld>
     <p:spTree>
@@ -9907,7 +10086,7 @@
           <a:p>
             <a:fld id="{386CE63F-9E7F-4C04-9D0D-FCA25A8E9E86}" type="datetime8">
               <a:rPr lang="en-US" smtClean="0"/>
-              <a:t>7/26/2019 3:03 PM</a:t>
+              <a:t>8/2/2019 2:50 PM</a:t>
             </a:fld>
             <a:endParaRPr lang="en-US" dirty="0"/>
           </a:p>
@@ -9931,7 +10110,7 @@
             <a:fld id="{B4008EB6-D09E-4580-8CD6-DDB14511944F}" type="slidenum">
               <a:rPr lang="en-US" smtClean="0"/>
               <a:pPr/>
-              <a:t>6</a:t>
+              <a:t>7</a:t>
             </a:fld>
             <a:endParaRPr lang="en-US" dirty="0"/>
           </a:p>
@@ -9941,171 +10120,6 @@
     <p:extLst>
       <p:ext uri="{BB962C8B-B14F-4D97-AF65-F5344CB8AC3E}">
         <p14:creationId xmlns:p14="http://schemas.microsoft.com/office/powerpoint/2010/main" val="2998455260"/>
-      </p:ext>
-    </p:extLst>
-  </p:cSld>
-  <p:clrMapOvr>
-    <a:masterClrMapping/>
-  </p:clrMapOvr>
-</p:notes>
-</file>
-
-<file path=ppt/notesSlides/notesSlide6.xml><?xml version="1.0" encoding="utf-8"?>
-<p:notes xmlns:a="http://schemas.openxmlformats.org/drawingml/2006/main" xmlns:r="http://schemas.openxmlformats.org/officeDocument/2006/relationships" xmlns:p="http://schemas.openxmlformats.org/presentationml/2006/main">
-  <p:cSld>
-    <p:spTree>
-      <p:nvGrpSpPr>
-        <p:cNvPr id="1" name=""/>
-        <p:cNvGrpSpPr/>
-        <p:nvPr/>
-      </p:nvGrpSpPr>
-      <p:grpSpPr>
-        <a:xfrm>
-          <a:off x="0" y="0"/>
-          <a:ext cx="0" cy="0"/>
-          <a:chOff x="0" y="0"/>
-          <a:chExt cx="0" cy="0"/>
-        </a:xfrm>
-      </p:grpSpPr>
-      <p:sp>
-        <p:nvSpPr>
-          <p:cNvPr id="2" name="Slide Image Placeholder 1"/>
-          <p:cNvSpPr>
-            <a:spLocks noGrp="1" noRot="1" noChangeAspect="1"/>
-          </p:cNvSpPr>
-          <p:nvPr>
-            <p:ph type="sldImg"/>
-          </p:nvPr>
-        </p:nvSpPr>
-        <p:spPr/>
-      </p:sp>
-      <p:sp>
-        <p:nvSpPr>
-          <p:cNvPr id="3" name="Notes Placeholder 2"/>
-          <p:cNvSpPr>
-            <a:spLocks noGrp="1"/>
-          </p:cNvSpPr>
-          <p:nvPr>
-            <p:ph type="body" idx="1"/>
-          </p:nvPr>
-        </p:nvSpPr>
-        <p:spPr/>
-        <p:txBody>
-          <a:bodyPr/>
-          <a:lstStyle/>
-          <a:p>
-            <a:endParaRPr lang="en-US" dirty="0"/>
-          </a:p>
-        </p:txBody>
-      </p:sp>
-      <p:sp>
-        <p:nvSpPr>
-          <p:cNvPr id="4" name="Header Placeholder 3"/>
-          <p:cNvSpPr>
-            <a:spLocks noGrp="1"/>
-          </p:cNvSpPr>
-          <p:nvPr>
-            <p:ph type="hdr" sz="quarter" idx="10"/>
-          </p:nvPr>
-        </p:nvSpPr>
-        <p:spPr/>
-        <p:txBody>
-          <a:bodyPr/>
-          <a:lstStyle/>
-          <a:p>
-            <a:endParaRPr lang="en-US" dirty="0"/>
-          </a:p>
-        </p:txBody>
-      </p:sp>
-      <p:sp>
-        <p:nvSpPr>
-          <p:cNvPr id="5" name="Footer Placeholder 4"/>
-          <p:cNvSpPr>
-            <a:spLocks noGrp="1"/>
-          </p:cNvSpPr>
-          <p:nvPr>
-            <p:ph type="ftr" sz="quarter" idx="11"/>
-          </p:nvPr>
-        </p:nvSpPr>
-        <p:spPr/>
-        <p:txBody>
-          <a:bodyPr/>
-          <a:lstStyle/>
-          <a:p>
-            <a:pPr defTabSz="914099" eaLnBrk="0" hangingPunct="0"/>
-            <a:r>
-              <a:rPr lang="en-US" sz="400" dirty="0">
-                <a:gradFill>
-                  <a:gsLst>
-                    <a:gs pos="0">
-                      <a:prstClr val="black"/>
-                    </a:gs>
-                    <a:gs pos="100000">
-                      <a:prstClr val="black"/>
-                    </a:gs>
-                  </a:gsLst>
-                  <a:lin ang="5400000" scaled="0"/>
-                </a:gradFill>
-                <a:latin typeface="Segoe UI" pitchFamily="34" charset="0"/>
-                <a:ea typeface="Segoe UI" pitchFamily="34" charset="0"/>
-                <a:cs typeface="Segoe UI" pitchFamily="34" charset="0"/>
-              </a:rPr>
-              <a:t>© Microsoft Corporation. All rights reserved. MICROSOFT MAKES NO WARRANTIES, EXPRESS, IMPLIED OR STATUTORY, AS TO THE INFORMATION IN THIS PRESENTATION.</a:t>
-            </a:r>
-          </a:p>
-        </p:txBody>
-      </p:sp>
-      <p:sp>
-        <p:nvSpPr>
-          <p:cNvPr id="6" name="Date Placeholder 5"/>
-          <p:cNvSpPr>
-            <a:spLocks noGrp="1"/>
-          </p:cNvSpPr>
-          <p:nvPr>
-            <p:ph type="dt" idx="12"/>
-          </p:nvPr>
-        </p:nvSpPr>
-        <p:spPr/>
-        <p:txBody>
-          <a:bodyPr/>
-          <a:lstStyle/>
-          <a:p>
-            <a:fld id="{72E0C910-0166-48E0-B8EF-5071277A02A8}" type="datetime8">
-              <a:rPr lang="en-US" smtClean="0"/>
-              <a:t>7/26/2019 3:03 PM</a:t>
-            </a:fld>
-            <a:endParaRPr lang="en-US" dirty="0"/>
-          </a:p>
-        </p:txBody>
-      </p:sp>
-      <p:sp>
-        <p:nvSpPr>
-          <p:cNvPr id="7" name="Slide Number Placeholder 6"/>
-          <p:cNvSpPr>
-            <a:spLocks noGrp="1"/>
-          </p:cNvSpPr>
-          <p:nvPr>
-            <p:ph type="sldNum" sz="quarter" idx="13"/>
-          </p:nvPr>
-        </p:nvSpPr>
-        <p:spPr/>
-        <p:txBody>
-          <a:bodyPr/>
-          <a:lstStyle/>
-          <a:p>
-            <a:fld id="{B4008EB6-D09E-4580-8CD6-DDB14511944F}" type="slidenum">
-              <a:rPr lang="en-US" smtClean="0"/>
-              <a:pPr/>
-              <a:t>7</a:t>
-            </a:fld>
-            <a:endParaRPr lang="en-US" dirty="0"/>
-          </a:p>
-        </p:txBody>
-      </p:sp>
-    </p:spTree>
-    <p:extLst>
-      <p:ext uri="{BB962C8B-B14F-4D97-AF65-F5344CB8AC3E}">
-        <p14:creationId xmlns:p14="http://schemas.microsoft.com/office/powerpoint/2010/main" val="1601089676"/>
       </p:ext>
     </p:extLst>
   </p:cSld>
@@ -17786,6 +17800,414 @@
           <a:chExt cx="0" cy="0"/>
         </a:xfrm>
       </p:grpSpPr>
+      <p:sp>
+        <p:nvSpPr>
+          <p:cNvPr id="17" name="Title 16"/>
+          <p:cNvSpPr>
+            <a:spLocks noGrp="1"/>
+          </p:cNvSpPr>
+          <p:nvPr>
+            <p:ph type="title"/>
+          </p:nvPr>
+        </p:nvSpPr>
+        <p:spPr>
+          <a:xfrm>
+            <a:off x="588263" y="457200"/>
+            <a:ext cx="11018520" cy="1107996"/>
+          </a:xfrm>
+        </p:spPr>
+        <p:txBody>
+          <a:bodyPr/>
+          <a:lstStyle/>
+          <a:p>
+            <a:pPr algn="ctr"/>
+            <a:r>
+              <a:rPr lang="fr-FR" dirty="0">
+                <a:solidFill>
+                  <a:schemeClr val="tx1"/>
+                </a:solidFill>
+              </a:rPr>
+              <a:t>Emplacement de la ressource</a:t>
+            </a:r>
+            <a:br>
+              <a:rPr lang="fr-FR" dirty="0">
+                <a:solidFill>
+                  <a:schemeClr val="tx1"/>
+                </a:solidFill>
+              </a:rPr>
+            </a:br>
+            <a:r>
+              <a:rPr lang="fr-FR" dirty="0">
+                <a:solidFill>
+                  <a:schemeClr val="accent5"/>
+                </a:solidFill>
+              </a:rPr>
+              <a:t>Logique</a:t>
+            </a:r>
+            <a:r>
+              <a:rPr lang="fr-FR" dirty="0">
+                <a:solidFill>
+                  <a:schemeClr val="tx1"/>
+                </a:solidFill>
+              </a:rPr>
+              <a:t>							</a:t>
+            </a:r>
+            <a:r>
+              <a:rPr lang="fr-FR" dirty="0">
+                <a:solidFill>
+                  <a:schemeClr val="accent5"/>
+                </a:solidFill>
+              </a:rPr>
+              <a:t>Géographique</a:t>
+            </a:r>
+          </a:p>
+        </p:txBody>
+      </p:sp>
+      <p:pic>
+        <p:nvPicPr>
+          <p:cNvPr id="4" name="Picture 3" descr="Graphic of various resources in azure structured in a tree format alongside blocks of text identifying each layer in the tree structure as Management groups, Subscriptions, Resource groups and resources.">
+            <a:extLst>
+              <a:ext uri="{FF2B5EF4-FFF2-40B4-BE49-F238E27FC236}">
+                <a16:creationId xmlns:a16="http://schemas.microsoft.com/office/drawing/2014/main" id="{04964B78-EF3B-4C2A-ADEA-8CD4724B82A9}"/>
+              </a:ext>
+            </a:extLst>
+          </p:cNvPr>
+          <p:cNvPicPr/>
+          <p:nvPr/>
+        </p:nvPicPr>
+        <p:blipFill>
+          <a:blip r:embed="rId3"/>
+          <a:stretch/>
+        </p:blipFill>
+        <p:spPr>
+          <a:xfrm>
+            <a:off x="191311" y="1784563"/>
+            <a:ext cx="7265120" cy="4657617"/>
+          </a:xfrm>
+          <a:prstGeom prst="rect">
+            <a:avLst/>
+          </a:prstGeom>
+          <a:ln>
+            <a:noFill/>
+          </a:ln>
+        </p:spPr>
+      </p:pic>
+      <p:sp>
+        <p:nvSpPr>
+          <p:cNvPr id="2" name="ZoneTexte 1">
+            <a:extLst>
+              <a:ext uri="{FF2B5EF4-FFF2-40B4-BE49-F238E27FC236}">
+                <a16:creationId xmlns:a16="http://schemas.microsoft.com/office/drawing/2014/main" id="{A2851FB4-9868-4515-BB32-39A095749A1C}"/>
+              </a:ext>
+            </a:extLst>
+          </p:cNvPr>
+          <p:cNvSpPr txBox="1"/>
+          <p:nvPr/>
+        </p:nvSpPr>
+        <p:spPr>
+          <a:xfrm>
+            <a:off x="7959631" y="1832533"/>
+            <a:ext cx="4007261" cy="1538883"/>
+          </a:xfrm>
+          <a:prstGeom prst="rect">
+            <a:avLst/>
+          </a:prstGeom>
+        </p:spPr>
+        <p:style>
+          <a:lnRef idx="1">
+            <a:schemeClr val="accent6"/>
+          </a:lnRef>
+          <a:fillRef idx="2">
+            <a:schemeClr val="accent6"/>
+          </a:fillRef>
+          <a:effectRef idx="1">
+            <a:schemeClr val="accent6"/>
+          </a:effectRef>
+          <a:fontRef idx="minor">
+            <a:schemeClr val="dk1"/>
+          </a:fontRef>
+        </p:style>
+        <p:txBody>
+          <a:bodyPr wrap="square" lIns="0" tIns="0" rIns="0" bIns="0" rtlCol="0">
+            <a:spAutoFit/>
+          </a:bodyPr>
+          <a:lstStyle/>
+          <a:p>
+            <a:pPr marL="342900" indent="-342900" algn="just">
+              <a:buFont typeface="Arial" panose="020B0604020202020204" pitchFamily="34" charset="0"/>
+              <a:buChar char="•"/>
+            </a:pPr>
+            <a:r>
+              <a:rPr lang="fr-FR" sz="2000" dirty="0">
+                <a:gradFill>
+                  <a:gsLst>
+                    <a:gs pos="2917">
+                      <a:schemeClr val="tx1"/>
+                    </a:gs>
+                    <a:gs pos="30000">
+                      <a:schemeClr val="tx1"/>
+                    </a:gs>
+                  </a:gsLst>
+                  <a:lin ang="5400000" scaled="0"/>
+                </a:gradFill>
+                <a:latin typeface="Tahoma" panose="020B0604030504040204" pitchFamily="34" charset="0"/>
+                <a:ea typeface="Tahoma" panose="020B0604030504040204" pitchFamily="34" charset="0"/>
+                <a:cs typeface="Tahoma" panose="020B0604030504040204" pitchFamily="34" charset="0"/>
+              </a:rPr>
+              <a:t>Une ressource ne peut être présente que dans </a:t>
+            </a:r>
+            <a:r>
+              <a:rPr lang="fr-FR" sz="2000" b="1" dirty="0">
+                <a:gradFill>
+                  <a:gsLst>
+                    <a:gs pos="2917">
+                      <a:schemeClr val="tx1"/>
+                    </a:gs>
+                    <a:gs pos="30000">
+                      <a:schemeClr val="tx1"/>
+                    </a:gs>
+                  </a:gsLst>
+                  <a:lin ang="5400000" scaled="0"/>
+                </a:gradFill>
+                <a:latin typeface="Tahoma" panose="020B0604030504040204" pitchFamily="34" charset="0"/>
+                <a:ea typeface="Tahoma" panose="020B0604030504040204" pitchFamily="34" charset="0"/>
+                <a:cs typeface="Tahoma" panose="020B0604030504040204" pitchFamily="34" charset="0"/>
+              </a:rPr>
+              <a:t>une seule </a:t>
+            </a:r>
+            <a:r>
+              <a:rPr lang="fr-FR" sz="2000" dirty="0">
+                <a:gradFill>
+                  <a:gsLst>
+                    <a:gs pos="2917">
+                      <a:schemeClr val="tx1"/>
+                    </a:gs>
+                    <a:gs pos="30000">
+                      <a:schemeClr val="tx1"/>
+                    </a:gs>
+                  </a:gsLst>
+                  <a:lin ang="5400000" scaled="0"/>
+                </a:gradFill>
+                <a:latin typeface="Tahoma" panose="020B0604030504040204" pitchFamily="34" charset="0"/>
+                <a:ea typeface="Tahoma" panose="020B0604030504040204" pitchFamily="34" charset="0"/>
+                <a:cs typeface="Tahoma" panose="020B0604030504040204" pitchFamily="34" charset="0"/>
+              </a:rPr>
+              <a:t>région Azure et ne peut en être déplacée</a:t>
+            </a:r>
+          </a:p>
+          <a:p>
+            <a:pPr algn="just"/>
+            <a:endParaRPr lang="fr-FR" sz="2000" dirty="0">
+              <a:gradFill>
+                <a:gsLst>
+                  <a:gs pos="2917">
+                    <a:schemeClr val="tx1"/>
+                  </a:gs>
+                  <a:gs pos="30000">
+                    <a:schemeClr val="tx1"/>
+                  </a:gs>
+                </a:gsLst>
+                <a:lin ang="5400000" scaled="0"/>
+              </a:gradFill>
+              <a:latin typeface="Tahoma" panose="020B0604030504040204" pitchFamily="34" charset="0"/>
+              <a:ea typeface="Tahoma" panose="020B0604030504040204" pitchFamily="34" charset="0"/>
+              <a:cs typeface="Tahoma" panose="020B0604030504040204" pitchFamily="34" charset="0"/>
+            </a:endParaRPr>
+          </a:p>
+        </p:txBody>
+      </p:sp>
+      <p:sp>
+        <p:nvSpPr>
+          <p:cNvPr id="5" name="ZoneTexte 4">
+            <a:extLst>
+              <a:ext uri="{FF2B5EF4-FFF2-40B4-BE49-F238E27FC236}">
+                <a16:creationId xmlns:a16="http://schemas.microsoft.com/office/drawing/2014/main" id="{06D7DACB-2C6E-4C20-85CA-59434290253C}"/>
+              </a:ext>
+            </a:extLst>
+          </p:cNvPr>
+          <p:cNvSpPr txBox="1"/>
+          <p:nvPr/>
+        </p:nvSpPr>
+        <p:spPr>
+          <a:xfrm>
+            <a:off x="7993428" y="4364019"/>
+            <a:ext cx="4007261" cy="923330"/>
+          </a:xfrm>
+          <a:prstGeom prst="rect">
+            <a:avLst/>
+          </a:prstGeom>
+        </p:spPr>
+        <p:style>
+          <a:lnRef idx="1">
+            <a:schemeClr val="accent6"/>
+          </a:lnRef>
+          <a:fillRef idx="2">
+            <a:schemeClr val="accent6"/>
+          </a:fillRef>
+          <a:effectRef idx="1">
+            <a:schemeClr val="accent6"/>
+          </a:effectRef>
+          <a:fontRef idx="minor">
+            <a:schemeClr val="dk1"/>
+          </a:fontRef>
+        </p:style>
+        <p:txBody>
+          <a:bodyPr wrap="square" lIns="0" tIns="0" rIns="0" bIns="0" rtlCol="0">
+            <a:spAutoFit/>
+          </a:bodyPr>
+          <a:lstStyle/>
+          <a:p>
+            <a:pPr marL="342900" indent="-342900" algn="just">
+              <a:buFont typeface="Arial" panose="020B0604020202020204" pitchFamily="34" charset="0"/>
+              <a:buChar char="•"/>
+            </a:pPr>
+            <a:r>
+              <a:rPr lang="fr-FR" sz="2000" dirty="0">
+                <a:gradFill>
+                  <a:gsLst>
+                    <a:gs pos="2917">
+                      <a:schemeClr val="tx1"/>
+                    </a:gs>
+                    <a:gs pos="30000">
+                      <a:schemeClr val="tx1"/>
+                    </a:gs>
+                  </a:gsLst>
+                  <a:lin ang="5400000" scaled="0"/>
+                </a:gradFill>
+                <a:latin typeface="Tahoma" panose="020B0604030504040204" pitchFamily="34" charset="0"/>
+                <a:ea typeface="Tahoma" panose="020B0604030504040204" pitchFamily="34" charset="0"/>
+                <a:cs typeface="Tahoma" panose="020B0604030504040204" pitchFamily="34" charset="0"/>
+              </a:rPr>
+              <a:t>Certaines régions Azure comprennent plusieurs centres de données, nommés "</a:t>
+            </a:r>
+            <a:r>
+              <a:rPr lang="fr-FR" sz="2000" b="1" dirty="0">
+                <a:gradFill>
+                  <a:gsLst>
+                    <a:gs pos="2917">
+                      <a:schemeClr val="tx1"/>
+                    </a:gs>
+                    <a:gs pos="30000">
+                      <a:schemeClr val="tx1"/>
+                    </a:gs>
+                  </a:gsLst>
+                  <a:lin ang="5400000" scaled="0"/>
+                </a:gradFill>
+                <a:latin typeface="Tahoma" panose="020B0604030504040204" pitchFamily="34" charset="0"/>
+                <a:ea typeface="Tahoma" panose="020B0604030504040204" pitchFamily="34" charset="0"/>
+                <a:cs typeface="Tahoma" panose="020B0604030504040204" pitchFamily="34" charset="0"/>
+              </a:rPr>
+              <a:t>Zones</a:t>
+            </a:r>
+            <a:r>
+              <a:rPr lang="fr-FR" sz="2000" dirty="0">
+                <a:gradFill>
+                  <a:gsLst>
+                    <a:gs pos="2917">
+                      <a:schemeClr val="tx1"/>
+                    </a:gs>
+                    <a:gs pos="30000">
+                      <a:schemeClr val="tx1"/>
+                    </a:gs>
+                  </a:gsLst>
+                  <a:lin ang="5400000" scaled="0"/>
+                </a:gradFill>
+                <a:latin typeface="Tahoma" panose="020B0604030504040204" pitchFamily="34" charset="0"/>
+                <a:ea typeface="Tahoma" panose="020B0604030504040204" pitchFamily="34" charset="0"/>
+                <a:cs typeface="Tahoma" panose="020B0604030504040204" pitchFamily="34" charset="0"/>
+              </a:rPr>
+              <a:t>" .</a:t>
+            </a:r>
+          </a:p>
+        </p:txBody>
+      </p:sp>
+      <p:cxnSp>
+        <p:nvCxnSpPr>
+          <p:cNvPr id="6" name="Connecteur droit avec flèche 5">
+            <a:extLst>
+              <a:ext uri="{FF2B5EF4-FFF2-40B4-BE49-F238E27FC236}">
+                <a16:creationId xmlns:a16="http://schemas.microsoft.com/office/drawing/2014/main" id="{21B7C5B8-F83D-4970-8407-F1971E3C5281}"/>
+              </a:ext>
+            </a:extLst>
+          </p:cNvPr>
+          <p:cNvCxnSpPr>
+            <a:cxnSpLocks/>
+          </p:cNvCxnSpPr>
+          <p:nvPr/>
+        </p:nvCxnSpPr>
+        <p:spPr>
+          <a:xfrm>
+            <a:off x="7648159" y="1135626"/>
+            <a:ext cx="0" cy="5501148"/>
+          </a:xfrm>
+          <a:prstGeom prst="straightConnector1">
+            <a:avLst/>
+          </a:prstGeom>
+          <a:ln w="19050" cmpd="sng">
+            <a:solidFill>
+              <a:schemeClr val="accent1"/>
+            </a:solidFill>
+            <a:headEnd type="oval"/>
+            <a:tailEnd type="oval"/>
+          </a:ln>
+        </p:spPr>
+        <p:style>
+          <a:lnRef idx="1">
+            <a:schemeClr val="accent1"/>
+          </a:lnRef>
+          <a:fillRef idx="0">
+            <a:schemeClr val="accent1"/>
+          </a:fillRef>
+          <a:effectRef idx="0">
+            <a:schemeClr val="accent1"/>
+          </a:effectRef>
+          <a:fontRef idx="minor">
+            <a:schemeClr val="tx1"/>
+          </a:fontRef>
+        </p:style>
+      </p:cxnSp>
+    </p:spTree>
+    <p:extLst>
+      <p:ext uri="{BB962C8B-B14F-4D97-AF65-F5344CB8AC3E}">
+        <p14:creationId xmlns:p14="http://schemas.microsoft.com/office/powerpoint/2010/main" val="845069353"/>
+      </p:ext>
+    </p:extLst>
+  </p:cSld>
+  <p:clrMapOvr>
+    <a:masterClrMapping/>
+  </p:clrMapOvr>
+  <mc:AlternateContent xmlns:mc="http://schemas.openxmlformats.org/markup-compatibility/2006" xmlns:p14="http://schemas.microsoft.com/office/powerpoint/2010/main">
+    <mc:Choice Requires="p14">
+      <p:transition spd="med" p14:dur="700">
+        <p:fade/>
+      </p:transition>
+    </mc:Choice>
+    <mc:Fallback xmlns="">
+      <p:transition spd="med">
+        <p:fade/>
+      </p:transition>
+    </mc:Fallback>
+  </mc:AlternateContent>
+</p:sld>
+</file>
+
+<file path=ppt/slides/slide7.xml><?xml version="1.0" encoding="utf-8"?>
+<p:sld xmlns:a="http://schemas.openxmlformats.org/drawingml/2006/main" xmlns:r="http://schemas.openxmlformats.org/officeDocument/2006/relationships" xmlns:p="http://schemas.openxmlformats.org/presentationml/2006/main">
+  <p:cSld>
+    <p:spTree>
+      <p:nvGrpSpPr>
+        <p:cNvPr id="1" name=""/>
+        <p:cNvGrpSpPr/>
+        <p:nvPr/>
+      </p:nvGrpSpPr>
+      <p:grpSpPr>
+        <a:xfrm>
+          <a:off x="0" y="0"/>
+          <a:ext cx="0" cy="0"/>
+          <a:chOff x="0" y="0"/>
+          <a:chExt cx="0" cy="0"/>
+        </a:xfrm>
+      </p:grpSpPr>
       <p:grpSp>
         <p:nvGrpSpPr>
           <p:cNvPr id="63" name="Groupe 62">
@@ -20700,104 +21122,6 @@
 </p:sld>
 </file>
 
-<file path=ppt/slides/slide7.xml><?xml version="1.0" encoding="utf-8"?>
-<p:sld xmlns:a="http://schemas.openxmlformats.org/drawingml/2006/main" xmlns:r="http://schemas.openxmlformats.org/officeDocument/2006/relationships" xmlns:p="http://schemas.openxmlformats.org/presentationml/2006/main">
-  <p:cSld>
-    <p:spTree>
-      <p:nvGrpSpPr>
-        <p:cNvPr id="1" name=""/>
-        <p:cNvGrpSpPr/>
-        <p:nvPr/>
-      </p:nvGrpSpPr>
-      <p:grpSpPr>
-        <a:xfrm>
-          <a:off x="0" y="0"/>
-          <a:ext cx="0" cy="0"/>
-          <a:chOff x="0" y="0"/>
-          <a:chExt cx="0" cy="0"/>
-        </a:xfrm>
-      </p:grpSpPr>
-      <p:sp>
-        <p:nvSpPr>
-          <p:cNvPr id="17" name="Title 16"/>
-          <p:cNvSpPr>
-            <a:spLocks noGrp="1"/>
-          </p:cNvSpPr>
-          <p:nvPr>
-            <p:ph type="title"/>
-          </p:nvPr>
-        </p:nvSpPr>
-        <p:spPr>
-          <a:xfrm>
-            <a:off x="588263" y="457200"/>
-            <a:ext cx="11018520" cy="553998"/>
-          </a:xfrm>
-        </p:spPr>
-        <p:txBody>
-          <a:bodyPr/>
-          <a:lstStyle/>
-          <a:p>
-            <a:r>
-              <a:rPr lang="en-US" dirty="0"/>
-              <a:t>A.R.M : Emplacement de la resource</a:t>
-            </a:r>
-          </a:p>
-        </p:txBody>
-      </p:sp>
-      <p:pic>
-        <p:nvPicPr>
-          <p:cNvPr id="4" name="Picture 3" descr="Graphic of various resources in azure structured in a tree format alongside blocks of text identifying each layer in the tree structure as Management groups, Subscriptions, Resource groups and resources.">
-            <a:extLst>
-              <a:ext uri="{FF2B5EF4-FFF2-40B4-BE49-F238E27FC236}">
-                <a16:creationId xmlns:a16="http://schemas.microsoft.com/office/drawing/2014/main" id="{04964B78-EF3B-4C2A-ADEA-8CD4724B82A9}"/>
-              </a:ext>
-            </a:extLst>
-          </p:cNvPr>
-          <p:cNvPicPr/>
-          <p:nvPr/>
-        </p:nvPicPr>
-        <p:blipFill>
-          <a:blip r:embed="rId3"/>
-          <a:stretch/>
-        </p:blipFill>
-        <p:spPr>
-          <a:xfrm>
-            <a:off x="588263" y="2109256"/>
-            <a:ext cx="6344800" cy="4599882"/>
-          </a:xfrm>
-          <a:prstGeom prst="rect">
-            <a:avLst/>
-          </a:prstGeom>
-          <a:ln>
-            <a:noFill/>
-          </a:ln>
-        </p:spPr>
-      </p:pic>
-    </p:spTree>
-    <p:extLst>
-      <p:ext uri="{BB962C8B-B14F-4D97-AF65-F5344CB8AC3E}">
-        <p14:creationId xmlns:p14="http://schemas.microsoft.com/office/powerpoint/2010/main" val="845069353"/>
-      </p:ext>
-    </p:extLst>
-  </p:cSld>
-  <p:clrMapOvr>
-    <a:masterClrMapping/>
-  </p:clrMapOvr>
-  <mc:AlternateContent xmlns:mc="http://schemas.openxmlformats.org/markup-compatibility/2006" xmlns:p14="http://schemas.microsoft.com/office/powerpoint/2010/main">
-    <mc:Choice Requires="p14">
-      <p:transition spd="med" p14:dur="700">
-        <p:fade/>
-      </p:transition>
-    </mc:Choice>
-    <mc:Fallback xmlns="">
-      <p:transition spd="med">
-        <p:fade/>
-      </p:transition>
-    </mc:Fallback>
-  </mc:AlternateContent>
-</p:sld>
-</file>
-
 <file path=ppt/theme/theme1.xml><?xml version="1.0" encoding="utf-8"?>
 <a:theme xmlns:a="http://schemas.openxmlformats.org/drawingml/2006/main" name="WHITE TEMPLATE">
   <a:themeElements>
